--- a/ppt 16-9/0458.谁与主同心.pptx
+++ b/ppt 16-9/0458.谁与主同心.pptx
@@ -5,7 +5,7 @@
     <p:sldMasterId id="2147483648" r:id="rId1"/>
   </p:sldMasterIdLst>
   <p:sldIdLst>
-    <p:sldId id="2953" r:id="rId2"/>
+    <p:sldId id="2955" r:id="rId2"/>
   </p:sldIdLst>
   <p:sldSz cx="12192000" cy="6858000"/>
   <p:notesSz cx="6858000" cy="9144000"/>
@@ -129,7 +129,7 @@
           <p:cNvPr id="2" name="标题 1">
             <a:extLst>
               <a:ext uri="{FF2B5EF4-FFF2-40B4-BE49-F238E27FC236}">
-                <a16:creationId xmlns:a16="http://schemas.microsoft.com/office/drawing/2014/main" id="{00DF0BC4-961E-4D23-F26B-479CF281F150}"/>
+                <a16:creationId xmlns:a16="http://schemas.microsoft.com/office/drawing/2014/main" id="{649D4658-B986-EDD9-E556-2F75A1098F0C}"/>
               </a:ext>
             </a:extLst>
           </p:cNvPr>
@@ -166,7 +166,7 @@
           <p:cNvPr id="3" name="副标题 2">
             <a:extLst>
               <a:ext uri="{FF2B5EF4-FFF2-40B4-BE49-F238E27FC236}">
-                <a16:creationId xmlns:a16="http://schemas.microsoft.com/office/drawing/2014/main" id="{462BDE5D-E871-1ED3-9F2C-7B00E2500741}"/>
+                <a16:creationId xmlns:a16="http://schemas.microsoft.com/office/drawing/2014/main" id="{B131FBF1-FC6C-E48F-E3E5-01587011D557}"/>
               </a:ext>
             </a:extLst>
           </p:cNvPr>
@@ -236,7 +236,7 @@
           <p:cNvPr id="4" name="日期占位符 3">
             <a:extLst>
               <a:ext uri="{FF2B5EF4-FFF2-40B4-BE49-F238E27FC236}">
-                <a16:creationId xmlns:a16="http://schemas.microsoft.com/office/drawing/2014/main" id="{567FE181-AA49-702A-A96E-ADF40811C7CB}"/>
+                <a16:creationId xmlns:a16="http://schemas.microsoft.com/office/drawing/2014/main" id="{DAC46888-9C2C-8B9A-2FEA-161EE9BAE027}"/>
               </a:ext>
             </a:extLst>
           </p:cNvPr>
@@ -252,7 +252,7 @@
           <a:bodyPr/>
           <a:lstStyle/>
           <a:p>
-            <a:fld id="{2AB386C5-2806-44F0-98C6-04A89A1B97D6}" type="datetimeFigureOut">
+            <a:fld id="{605D1952-348E-459D-B9CF-FB3A218E04FF}" type="datetimeFigureOut">
               <a:rPr lang="zh-CN" altLang="en-US" smtClean="0"/>
               <a:t>2024/3/10</a:t>
             </a:fld>
@@ -265,7 +265,7 @@
           <p:cNvPr id="5" name="页脚占位符 4">
             <a:extLst>
               <a:ext uri="{FF2B5EF4-FFF2-40B4-BE49-F238E27FC236}">
-                <a16:creationId xmlns:a16="http://schemas.microsoft.com/office/drawing/2014/main" id="{CC271B39-446A-CA9C-33FC-B3F854B1D430}"/>
+                <a16:creationId xmlns:a16="http://schemas.microsoft.com/office/drawing/2014/main" id="{625E7142-801B-B3DB-BEB1-A80EDEFD6701}"/>
               </a:ext>
             </a:extLst>
           </p:cNvPr>
@@ -290,7 +290,7 @@
           <p:cNvPr id="6" name="灯片编号占位符 5">
             <a:extLst>
               <a:ext uri="{FF2B5EF4-FFF2-40B4-BE49-F238E27FC236}">
-                <a16:creationId xmlns:a16="http://schemas.microsoft.com/office/drawing/2014/main" id="{25DF2DF7-86D0-7587-75F0-C4B6D00C7B2E}"/>
+                <a16:creationId xmlns:a16="http://schemas.microsoft.com/office/drawing/2014/main" id="{014FAC2B-E86D-CE5E-3A3C-390469207277}"/>
               </a:ext>
             </a:extLst>
           </p:cNvPr>
@@ -306,7 +306,7 @@
           <a:bodyPr/>
           <a:lstStyle/>
           <a:p>
-            <a:fld id="{5819D42C-FB87-44E7-9AE4-115822CBD617}" type="slidenum">
+            <a:fld id="{E74F7F7C-8519-424E-8CB6-E7556BAE8DCB}" type="slidenum">
               <a:rPr lang="zh-CN" altLang="en-US" smtClean="0"/>
               <a:t>‹#›</a:t>
             </a:fld>
@@ -317,7 +317,7 @@
     </p:spTree>
     <p:extLst>
       <p:ext uri="{BB962C8B-B14F-4D97-AF65-F5344CB8AC3E}">
-        <p14:creationId xmlns:p14="http://schemas.microsoft.com/office/powerpoint/2010/main" val="3902608511"/>
+        <p14:creationId xmlns:p14="http://schemas.microsoft.com/office/powerpoint/2010/main" val="2487233767"/>
       </p:ext>
     </p:extLst>
   </p:cSld>
@@ -349,7 +349,7 @@
           <p:cNvPr id="2" name="标题 1">
             <a:extLst>
               <a:ext uri="{FF2B5EF4-FFF2-40B4-BE49-F238E27FC236}">
-                <a16:creationId xmlns:a16="http://schemas.microsoft.com/office/drawing/2014/main" id="{E7C54BDD-A456-19C5-90CA-152CA95AB6F5}"/>
+                <a16:creationId xmlns:a16="http://schemas.microsoft.com/office/drawing/2014/main" id="{2F028FF2-3026-9CB9-2888-7258739EDEA0}"/>
               </a:ext>
             </a:extLst>
           </p:cNvPr>
@@ -377,7 +377,7 @@
           <p:cNvPr id="3" name="竖排文字占位符 2">
             <a:extLst>
               <a:ext uri="{FF2B5EF4-FFF2-40B4-BE49-F238E27FC236}">
-                <a16:creationId xmlns:a16="http://schemas.microsoft.com/office/drawing/2014/main" id="{07A8C252-EC1C-B2D5-9790-470917DF4C04}"/>
+                <a16:creationId xmlns:a16="http://schemas.microsoft.com/office/drawing/2014/main" id="{98C6C541-5904-CC14-F94E-985084E07599}"/>
               </a:ext>
             </a:extLst>
           </p:cNvPr>
@@ -434,7 +434,7 @@
           <p:cNvPr id="4" name="日期占位符 3">
             <a:extLst>
               <a:ext uri="{FF2B5EF4-FFF2-40B4-BE49-F238E27FC236}">
-                <a16:creationId xmlns:a16="http://schemas.microsoft.com/office/drawing/2014/main" id="{C12AEF1E-D17C-9C78-A624-1F743222D3E6}"/>
+                <a16:creationId xmlns:a16="http://schemas.microsoft.com/office/drawing/2014/main" id="{39688F88-7DCB-A774-066A-21E137DA6028}"/>
               </a:ext>
             </a:extLst>
           </p:cNvPr>
@@ -450,7 +450,7 @@
           <a:bodyPr/>
           <a:lstStyle/>
           <a:p>
-            <a:fld id="{2AB386C5-2806-44F0-98C6-04A89A1B97D6}" type="datetimeFigureOut">
+            <a:fld id="{605D1952-348E-459D-B9CF-FB3A218E04FF}" type="datetimeFigureOut">
               <a:rPr lang="zh-CN" altLang="en-US" smtClean="0"/>
               <a:t>2024/3/10</a:t>
             </a:fld>
@@ -463,7 +463,7 @@
           <p:cNvPr id="5" name="页脚占位符 4">
             <a:extLst>
               <a:ext uri="{FF2B5EF4-FFF2-40B4-BE49-F238E27FC236}">
-                <a16:creationId xmlns:a16="http://schemas.microsoft.com/office/drawing/2014/main" id="{9D67103B-A4E9-C983-F64B-3FC1CBB843CD}"/>
+                <a16:creationId xmlns:a16="http://schemas.microsoft.com/office/drawing/2014/main" id="{FCD1612F-CC95-A74A-30C0-331AD9C16B41}"/>
               </a:ext>
             </a:extLst>
           </p:cNvPr>
@@ -488,7 +488,7 @@
           <p:cNvPr id="6" name="灯片编号占位符 5">
             <a:extLst>
               <a:ext uri="{FF2B5EF4-FFF2-40B4-BE49-F238E27FC236}">
-                <a16:creationId xmlns:a16="http://schemas.microsoft.com/office/drawing/2014/main" id="{9604B691-D8A1-DF45-A096-2CE28C29AE17}"/>
+                <a16:creationId xmlns:a16="http://schemas.microsoft.com/office/drawing/2014/main" id="{C11D5491-E35E-11D6-9B97-E3955B5D9DD2}"/>
               </a:ext>
             </a:extLst>
           </p:cNvPr>
@@ -504,7 +504,7 @@
           <a:bodyPr/>
           <a:lstStyle/>
           <a:p>
-            <a:fld id="{5819D42C-FB87-44E7-9AE4-115822CBD617}" type="slidenum">
+            <a:fld id="{E74F7F7C-8519-424E-8CB6-E7556BAE8DCB}" type="slidenum">
               <a:rPr lang="zh-CN" altLang="en-US" smtClean="0"/>
               <a:t>‹#›</a:t>
             </a:fld>
@@ -515,7 +515,7 @@
     </p:spTree>
     <p:extLst>
       <p:ext uri="{BB962C8B-B14F-4D97-AF65-F5344CB8AC3E}">
-        <p14:creationId xmlns:p14="http://schemas.microsoft.com/office/powerpoint/2010/main" val="1847613419"/>
+        <p14:creationId xmlns:p14="http://schemas.microsoft.com/office/powerpoint/2010/main" val="1988044460"/>
       </p:ext>
     </p:extLst>
   </p:cSld>
@@ -547,7 +547,7 @@
           <p:cNvPr id="2" name="竖排标题 1">
             <a:extLst>
               <a:ext uri="{FF2B5EF4-FFF2-40B4-BE49-F238E27FC236}">
-                <a16:creationId xmlns:a16="http://schemas.microsoft.com/office/drawing/2014/main" id="{D2B686AC-42F0-0AA1-13B6-6C89E92CDC6D}"/>
+                <a16:creationId xmlns:a16="http://schemas.microsoft.com/office/drawing/2014/main" id="{C024CC0F-D69F-A2AC-9231-0EEB8F278696}"/>
               </a:ext>
             </a:extLst>
           </p:cNvPr>
@@ -580,7 +580,7 @@
           <p:cNvPr id="3" name="竖排文字占位符 2">
             <a:extLst>
               <a:ext uri="{FF2B5EF4-FFF2-40B4-BE49-F238E27FC236}">
-                <a16:creationId xmlns:a16="http://schemas.microsoft.com/office/drawing/2014/main" id="{74968E2F-9A31-9A3F-03EA-3C321E500379}"/>
+                <a16:creationId xmlns:a16="http://schemas.microsoft.com/office/drawing/2014/main" id="{2CFE88F4-1496-93F5-89E5-2BAD3EE8DE30}"/>
               </a:ext>
             </a:extLst>
           </p:cNvPr>
@@ -642,7 +642,7 @@
           <p:cNvPr id="4" name="日期占位符 3">
             <a:extLst>
               <a:ext uri="{FF2B5EF4-FFF2-40B4-BE49-F238E27FC236}">
-                <a16:creationId xmlns:a16="http://schemas.microsoft.com/office/drawing/2014/main" id="{D059E5A9-34E4-713A-CA2B-3FF06A5E7D4F}"/>
+                <a16:creationId xmlns:a16="http://schemas.microsoft.com/office/drawing/2014/main" id="{6A7358D3-1FA0-CDD5-3D06-8086A83F407F}"/>
               </a:ext>
             </a:extLst>
           </p:cNvPr>
@@ -658,7 +658,7 @@
           <a:bodyPr/>
           <a:lstStyle/>
           <a:p>
-            <a:fld id="{2AB386C5-2806-44F0-98C6-04A89A1B97D6}" type="datetimeFigureOut">
+            <a:fld id="{605D1952-348E-459D-B9CF-FB3A218E04FF}" type="datetimeFigureOut">
               <a:rPr lang="zh-CN" altLang="en-US" smtClean="0"/>
               <a:t>2024/3/10</a:t>
             </a:fld>
@@ -671,7 +671,7 @@
           <p:cNvPr id="5" name="页脚占位符 4">
             <a:extLst>
               <a:ext uri="{FF2B5EF4-FFF2-40B4-BE49-F238E27FC236}">
-                <a16:creationId xmlns:a16="http://schemas.microsoft.com/office/drawing/2014/main" id="{925635F1-81CA-0393-9C4E-DC52434148F0}"/>
+                <a16:creationId xmlns:a16="http://schemas.microsoft.com/office/drawing/2014/main" id="{C59D4CE2-3DD1-3ADB-0432-66328E060920}"/>
               </a:ext>
             </a:extLst>
           </p:cNvPr>
@@ -696,7 +696,7 @@
           <p:cNvPr id="6" name="灯片编号占位符 5">
             <a:extLst>
               <a:ext uri="{FF2B5EF4-FFF2-40B4-BE49-F238E27FC236}">
-                <a16:creationId xmlns:a16="http://schemas.microsoft.com/office/drawing/2014/main" id="{16752740-EC0F-DD26-12D6-E4220CE07B8A}"/>
+                <a16:creationId xmlns:a16="http://schemas.microsoft.com/office/drawing/2014/main" id="{75A671A1-97C6-79C5-CC2F-1AF66193DD85}"/>
               </a:ext>
             </a:extLst>
           </p:cNvPr>
@@ -712,7 +712,7 @@
           <a:bodyPr/>
           <a:lstStyle/>
           <a:p>
-            <a:fld id="{5819D42C-FB87-44E7-9AE4-115822CBD617}" type="slidenum">
+            <a:fld id="{E74F7F7C-8519-424E-8CB6-E7556BAE8DCB}" type="slidenum">
               <a:rPr lang="zh-CN" altLang="en-US" smtClean="0"/>
               <a:t>‹#›</a:t>
             </a:fld>
@@ -723,7 +723,7 @@
     </p:spTree>
     <p:extLst>
       <p:ext uri="{BB962C8B-B14F-4D97-AF65-F5344CB8AC3E}">
-        <p14:creationId xmlns:p14="http://schemas.microsoft.com/office/powerpoint/2010/main" val="3337307032"/>
+        <p14:creationId xmlns:p14="http://schemas.microsoft.com/office/powerpoint/2010/main" val="801463910"/>
       </p:ext>
     </p:extLst>
   </p:cSld>
@@ -755,7 +755,7 @@
           <p:cNvPr id="2" name="标题 1">
             <a:extLst>
               <a:ext uri="{FF2B5EF4-FFF2-40B4-BE49-F238E27FC236}">
-                <a16:creationId xmlns:a16="http://schemas.microsoft.com/office/drawing/2014/main" id="{06C41F91-6144-2F76-E9A4-09C7D04B71A7}"/>
+                <a16:creationId xmlns:a16="http://schemas.microsoft.com/office/drawing/2014/main" id="{545DBA9E-89D3-C47E-DD48-E928BF3E0C06}"/>
               </a:ext>
             </a:extLst>
           </p:cNvPr>
@@ -783,7 +783,7 @@
           <p:cNvPr id="3" name="内容占位符 2">
             <a:extLst>
               <a:ext uri="{FF2B5EF4-FFF2-40B4-BE49-F238E27FC236}">
-                <a16:creationId xmlns:a16="http://schemas.microsoft.com/office/drawing/2014/main" id="{FC61BD49-5D45-4BF3-B238-872744E02564}"/>
+                <a16:creationId xmlns:a16="http://schemas.microsoft.com/office/drawing/2014/main" id="{525DA5FE-5AFC-F8FA-43A7-8A4594F966C0}"/>
               </a:ext>
             </a:extLst>
           </p:cNvPr>
@@ -840,7 +840,7 @@
           <p:cNvPr id="4" name="日期占位符 3">
             <a:extLst>
               <a:ext uri="{FF2B5EF4-FFF2-40B4-BE49-F238E27FC236}">
-                <a16:creationId xmlns:a16="http://schemas.microsoft.com/office/drawing/2014/main" id="{141824C1-5F82-3C47-2B3E-9381DC47DD06}"/>
+                <a16:creationId xmlns:a16="http://schemas.microsoft.com/office/drawing/2014/main" id="{D973D939-6B87-7DCB-649A-DF4DA5084F35}"/>
               </a:ext>
             </a:extLst>
           </p:cNvPr>
@@ -856,7 +856,7 @@
           <a:bodyPr/>
           <a:lstStyle/>
           <a:p>
-            <a:fld id="{2AB386C5-2806-44F0-98C6-04A89A1B97D6}" type="datetimeFigureOut">
+            <a:fld id="{605D1952-348E-459D-B9CF-FB3A218E04FF}" type="datetimeFigureOut">
               <a:rPr lang="zh-CN" altLang="en-US" smtClean="0"/>
               <a:t>2024/3/10</a:t>
             </a:fld>
@@ -869,7 +869,7 @@
           <p:cNvPr id="5" name="页脚占位符 4">
             <a:extLst>
               <a:ext uri="{FF2B5EF4-FFF2-40B4-BE49-F238E27FC236}">
-                <a16:creationId xmlns:a16="http://schemas.microsoft.com/office/drawing/2014/main" id="{32F66398-F5F0-4887-5B99-40B73383728F}"/>
+                <a16:creationId xmlns:a16="http://schemas.microsoft.com/office/drawing/2014/main" id="{99FA6E01-3EC7-B8A9-A78D-289F82B20EA9}"/>
               </a:ext>
             </a:extLst>
           </p:cNvPr>
@@ -894,7 +894,7 @@
           <p:cNvPr id="6" name="灯片编号占位符 5">
             <a:extLst>
               <a:ext uri="{FF2B5EF4-FFF2-40B4-BE49-F238E27FC236}">
-                <a16:creationId xmlns:a16="http://schemas.microsoft.com/office/drawing/2014/main" id="{88AFAAD4-D656-1188-866F-C8A7C23ED836}"/>
+                <a16:creationId xmlns:a16="http://schemas.microsoft.com/office/drawing/2014/main" id="{58C166FE-2FA5-9E9B-6FBB-4BBCE503829A}"/>
               </a:ext>
             </a:extLst>
           </p:cNvPr>
@@ -910,7 +910,7 @@
           <a:bodyPr/>
           <a:lstStyle/>
           <a:p>
-            <a:fld id="{5819D42C-FB87-44E7-9AE4-115822CBD617}" type="slidenum">
+            <a:fld id="{E74F7F7C-8519-424E-8CB6-E7556BAE8DCB}" type="slidenum">
               <a:rPr lang="zh-CN" altLang="en-US" smtClean="0"/>
               <a:t>‹#›</a:t>
             </a:fld>
@@ -921,7 +921,7 @@
     </p:spTree>
     <p:extLst>
       <p:ext uri="{BB962C8B-B14F-4D97-AF65-F5344CB8AC3E}">
-        <p14:creationId xmlns:p14="http://schemas.microsoft.com/office/powerpoint/2010/main" val="3703010587"/>
+        <p14:creationId xmlns:p14="http://schemas.microsoft.com/office/powerpoint/2010/main" val="644921370"/>
       </p:ext>
     </p:extLst>
   </p:cSld>
@@ -953,7 +953,7 @@
           <p:cNvPr id="2" name="标题 1">
             <a:extLst>
               <a:ext uri="{FF2B5EF4-FFF2-40B4-BE49-F238E27FC236}">
-                <a16:creationId xmlns:a16="http://schemas.microsoft.com/office/drawing/2014/main" id="{F562FBB1-650B-81C4-DAE2-1AB577E2430A}"/>
+                <a16:creationId xmlns:a16="http://schemas.microsoft.com/office/drawing/2014/main" id="{798DB4F3-06F3-E83B-C314-0E07E116DB35}"/>
               </a:ext>
             </a:extLst>
           </p:cNvPr>
@@ -990,7 +990,7 @@
           <p:cNvPr id="3" name="文本占位符 2">
             <a:extLst>
               <a:ext uri="{FF2B5EF4-FFF2-40B4-BE49-F238E27FC236}">
-                <a16:creationId xmlns:a16="http://schemas.microsoft.com/office/drawing/2014/main" id="{C09DF353-45EC-9FDA-1F5E-8DCDD8A1E4FA}"/>
+                <a16:creationId xmlns:a16="http://schemas.microsoft.com/office/drawing/2014/main" id="{D1CBE77D-16E4-2945-2168-E75BF6759527}"/>
               </a:ext>
             </a:extLst>
           </p:cNvPr>
@@ -1115,7 +1115,7 @@
           <p:cNvPr id="4" name="日期占位符 3">
             <a:extLst>
               <a:ext uri="{FF2B5EF4-FFF2-40B4-BE49-F238E27FC236}">
-                <a16:creationId xmlns:a16="http://schemas.microsoft.com/office/drawing/2014/main" id="{6F981975-35CC-7CD5-7360-48291ED9A882}"/>
+                <a16:creationId xmlns:a16="http://schemas.microsoft.com/office/drawing/2014/main" id="{8C6821A3-BB85-E7A0-4D51-EA5D48B807B6}"/>
               </a:ext>
             </a:extLst>
           </p:cNvPr>
@@ -1131,7 +1131,7 @@
           <a:bodyPr/>
           <a:lstStyle/>
           <a:p>
-            <a:fld id="{2AB386C5-2806-44F0-98C6-04A89A1B97D6}" type="datetimeFigureOut">
+            <a:fld id="{605D1952-348E-459D-B9CF-FB3A218E04FF}" type="datetimeFigureOut">
               <a:rPr lang="zh-CN" altLang="en-US" smtClean="0"/>
               <a:t>2024/3/10</a:t>
             </a:fld>
@@ -1144,7 +1144,7 @@
           <p:cNvPr id="5" name="页脚占位符 4">
             <a:extLst>
               <a:ext uri="{FF2B5EF4-FFF2-40B4-BE49-F238E27FC236}">
-                <a16:creationId xmlns:a16="http://schemas.microsoft.com/office/drawing/2014/main" id="{F724FEDE-03C9-55EF-C882-D9AFFE8B0485}"/>
+                <a16:creationId xmlns:a16="http://schemas.microsoft.com/office/drawing/2014/main" id="{3E094975-9F2F-EB7A-02D6-5AF39D6B8D75}"/>
               </a:ext>
             </a:extLst>
           </p:cNvPr>
@@ -1169,7 +1169,7 @@
           <p:cNvPr id="6" name="灯片编号占位符 5">
             <a:extLst>
               <a:ext uri="{FF2B5EF4-FFF2-40B4-BE49-F238E27FC236}">
-                <a16:creationId xmlns:a16="http://schemas.microsoft.com/office/drawing/2014/main" id="{1C492F8E-40DA-F673-8A6C-AD96EB953A54}"/>
+                <a16:creationId xmlns:a16="http://schemas.microsoft.com/office/drawing/2014/main" id="{63D08CE5-D0E2-BE53-E96B-9228EEECE76C}"/>
               </a:ext>
             </a:extLst>
           </p:cNvPr>
@@ -1185,7 +1185,7 @@
           <a:bodyPr/>
           <a:lstStyle/>
           <a:p>
-            <a:fld id="{5819D42C-FB87-44E7-9AE4-115822CBD617}" type="slidenum">
+            <a:fld id="{E74F7F7C-8519-424E-8CB6-E7556BAE8DCB}" type="slidenum">
               <a:rPr lang="zh-CN" altLang="en-US" smtClean="0"/>
               <a:t>‹#›</a:t>
             </a:fld>
@@ -1196,7 +1196,7 @@
     </p:spTree>
     <p:extLst>
       <p:ext uri="{BB962C8B-B14F-4D97-AF65-F5344CB8AC3E}">
-        <p14:creationId xmlns:p14="http://schemas.microsoft.com/office/powerpoint/2010/main" val="3149071150"/>
+        <p14:creationId xmlns:p14="http://schemas.microsoft.com/office/powerpoint/2010/main" val="2578863322"/>
       </p:ext>
     </p:extLst>
   </p:cSld>
@@ -1228,7 +1228,7 @@
           <p:cNvPr id="2" name="标题 1">
             <a:extLst>
               <a:ext uri="{FF2B5EF4-FFF2-40B4-BE49-F238E27FC236}">
-                <a16:creationId xmlns:a16="http://schemas.microsoft.com/office/drawing/2014/main" id="{587757FE-2B46-13BD-A1A4-BE5CF2FEC05D}"/>
+                <a16:creationId xmlns:a16="http://schemas.microsoft.com/office/drawing/2014/main" id="{E40BCDC4-29B5-57F1-BF38-98114D68AA8A}"/>
               </a:ext>
             </a:extLst>
           </p:cNvPr>
@@ -1256,7 +1256,7 @@
           <p:cNvPr id="3" name="内容占位符 2">
             <a:extLst>
               <a:ext uri="{FF2B5EF4-FFF2-40B4-BE49-F238E27FC236}">
-                <a16:creationId xmlns:a16="http://schemas.microsoft.com/office/drawing/2014/main" id="{6799A904-BE76-7815-B5CA-F6299A5AEC31}"/>
+                <a16:creationId xmlns:a16="http://schemas.microsoft.com/office/drawing/2014/main" id="{8E09A82C-FD2E-3514-CFB8-CB532FE31637}"/>
               </a:ext>
             </a:extLst>
           </p:cNvPr>
@@ -1318,7 +1318,7 @@
           <p:cNvPr id="4" name="内容占位符 3">
             <a:extLst>
               <a:ext uri="{FF2B5EF4-FFF2-40B4-BE49-F238E27FC236}">
-                <a16:creationId xmlns:a16="http://schemas.microsoft.com/office/drawing/2014/main" id="{722FB8BF-6180-25F8-13BA-FC1A8C7813BA}"/>
+                <a16:creationId xmlns:a16="http://schemas.microsoft.com/office/drawing/2014/main" id="{BD30E0C6-20C2-7AE8-C7A9-74A4F6650E84}"/>
               </a:ext>
             </a:extLst>
           </p:cNvPr>
@@ -1380,7 +1380,7 @@
           <p:cNvPr id="5" name="日期占位符 4">
             <a:extLst>
               <a:ext uri="{FF2B5EF4-FFF2-40B4-BE49-F238E27FC236}">
-                <a16:creationId xmlns:a16="http://schemas.microsoft.com/office/drawing/2014/main" id="{C4251658-5230-A5A9-052C-E2055053C09C}"/>
+                <a16:creationId xmlns:a16="http://schemas.microsoft.com/office/drawing/2014/main" id="{FF92D45D-7BE5-6B70-A431-0D1485A645FD}"/>
               </a:ext>
             </a:extLst>
           </p:cNvPr>
@@ -1396,7 +1396,7 @@
           <a:bodyPr/>
           <a:lstStyle/>
           <a:p>
-            <a:fld id="{2AB386C5-2806-44F0-98C6-04A89A1B97D6}" type="datetimeFigureOut">
+            <a:fld id="{605D1952-348E-459D-B9CF-FB3A218E04FF}" type="datetimeFigureOut">
               <a:rPr lang="zh-CN" altLang="en-US" smtClean="0"/>
               <a:t>2024/3/10</a:t>
             </a:fld>
@@ -1409,7 +1409,7 @@
           <p:cNvPr id="6" name="页脚占位符 5">
             <a:extLst>
               <a:ext uri="{FF2B5EF4-FFF2-40B4-BE49-F238E27FC236}">
-                <a16:creationId xmlns:a16="http://schemas.microsoft.com/office/drawing/2014/main" id="{81D4054B-144A-6ADF-3398-7490D4163DB2}"/>
+                <a16:creationId xmlns:a16="http://schemas.microsoft.com/office/drawing/2014/main" id="{3398CD73-4BFC-CF24-5CBD-BD8F003D18A6}"/>
               </a:ext>
             </a:extLst>
           </p:cNvPr>
@@ -1434,7 +1434,7 @@
           <p:cNvPr id="7" name="灯片编号占位符 6">
             <a:extLst>
               <a:ext uri="{FF2B5EF4-FFF2-40B4-BE49-F238E27FC236}">
-                <a16:creationId xmlns:a16="http://schemas.microsoft.com/office/drawing/2014/main" id="{B019669D-9C67-0472-8F32-628C5EDCDA70}"/>
+                <a16:creationId xmlns:a16="http://schemas.microsoft.com/office/drawing/2014/main" id="{E839A034-6319-677A-8664-C7D1781E140A}"/>
               </a:ext>
             </a:extLst>
           </p:cNvPr>
@@ -1450,7 +1450,7 @@
           <a:bodyPr/>
           <a:lstStyle/>
           <a:p>
-            <a:fld id="{5819D42C-FB87-44E7-9AE4-115822CBD617}" type="slidenum">
+            <a:fld id="{E74F7F7C-8519-424E-8CB6-E7556BAE8DCB}" type="slidenum">
               <a:rPr lang="zh-CN" altLang="en-US" smtClean="0"/>
               <a:t>‹#›</a:t>
             </a:fld>
@@ -1461,7 +1461,7 @@
     </p:spTree>
     <p:extLst>
       <p:ext uri="{BB962C8B-B14F-4D97-AF65-F5344CB8AC3E}">
-        <p14:creationId xmlns:p14="http://schemas.microsoft.com/office/powerpoint/2010/main" val="4188885266"/>
+        <p14:creationId xmlns:p14="http://schemas.microsoft.com/office/powerpoint/2010/main" val="1329074410"/>
       </p:ext>
     </p:extLst>
   </p:cSld>
@@ -1493,7 +1493,7 @@
           <p:cNvPr id="2" name="标题 1">
             <a:extLst>
               <a:ext uri="{FF2B5EF4-FFF2-40B4-BE49-F238E27FC236}">
-                <a16:creationId xmlns:a16="http://schemas.microsoft.com/office/drawing/2014/main" id="{176813A0-AE05-4E9E-FBE1-1BE8B501EACF}"/>
+                <a16:creationId xmlns:a16="http://schemas.microsoft.com/office/drawing/2014/main" id="{69B4D443-1D40-765A-137B-7BA613062C97}"/>
               </a:ext>
             </a:extLst>
           </p:cNvPr>
@@ -1526,7 +1526,7 @@
           <p:cNvPr id="3" name="文本占位符 2">
             <a:extLst>
               <a:ext uri="{FF2B5EF4-FFF2-40B4-BE49-F238E27FC236}">
-                <a16:creationId xmlns:a16="http://schemas.microsoft.com/office/drawing/2014/main" id="{E0E3D222-5F86-1AB8-9476-C4D2CED7DAB5}"/>
+                <a16:creationId xmlns:a16="http://schemas.microsoft.com/office/drawing/2014/main" id="{F5177EFD-B044-E4C8-9CDD-34FC5614C106}"/>
               </a:ext>
             </a:extLst>
           </p:cNvPr>
@@ -1597,7 +1597,7 @@
           <p:cNvPr id="4" name="内容占位符 3">
             <a:extLst>
               <a:ext uri="{FF2B5EF4-FFF2-40B4-BE49-F238E27FC236}">
-                <a16:creationId xmlns:a16="http://schemas.microsoft.com/office/drawing/2014/main" id="{05BDCA8C-6698-3368-DDC5-2CA461264162}"/>
+                <a16:creationId xmlns:a16="http://schemas.microsoft.com/office/drawing/2014/main" id="{6698B4B5-940A-422D-E6CC-3FE7B48AA00F}"/>
               </a:ext>
             </a:extLst>
           </p:cNvPr>
@@ -1659,7 +1659,7 @@
           <p:cNvPr id="5" name="文本占位符 4">
             <a:extLst>
               <a:ext uri="{FF2B5EF4-FFF2-40B4-BE49-F238E27FC236}">
-                <a16:creationId xmlns:a16="http://schemas.microsoft.com/office/drawing/2014/main" id="{B31BF062-41D5-17DE-94E7-5259662B0307}"/>
+                <a16:creationId xmlns:a16="http://schemas.microsoft.com/office/drawing/2014/main" id="{552DB09F-34CA-2DFE-D80E-F9635A2C3ACC}"/>
               </a:ext>
             </a:extLst>
           </p:cNvPr>
@@ -1730,7 +1730,7 @@
           <p:cNvPr id="6" name="内容占位符 5">
             <a:extLst>
               <a:ext uri="{FF2B5EF4-FFF2-40B4-BE49-F238E27FC236}">
-                <a16:creationId xmlns:a16="http://schemas.microsoft.com/office/drawing/2014/main" id="{112AB504-562B-D814-CD24-432346F23137}"/>
+                <a16:creationId xmlns:a16="http://schemas.microsoft.com/office/drawing/2014/main" id="{BCD095DE-9F31-1630-D003-FF2F0B1D775C}"/>
               </a:ext>
             </a:extLst>
           </p:cNvPr>
@@ -1792,7 +1792,7 @@
           <p:cNvPr id="7" name="日期占位符 6">
             <a:extLst>
               <a:ext uri="{FF2B5EF4-FFF2-40B4-BE49-F238E27FC236}">
-                <a16:creationId xmlns:a16="http://schemas.microsoft.com/office/drawing/2014/main" id="{83B88C54-B76E-FFF5-14CD-2F6CE2B05160}"/>
+                <a16:creationId xmlns:a16="http://schemas.microsoft.com/office/drawing/2014/main" id="{4CDFDCB7-E881-82C9-34C0-3CCD4695664A}"/>
               </a:ext>
             </a:extLst>
           </p:cNvPr>
@@ -1808,7 +1808,7 @@
           <a:bodyPr/>
           <a:lstStyle/>
           <a:p>
-            <a:fld id="{2AB386C5-2806-44F0-98C6-04A89A1B97D6}" type="datetimeFigureOut">
+            <a:fld id="{605D1952-348E-459D-B9CF-FB3A218E04FF}" type="datetimeFigureOut">
               <a:rPr lang="zh-CN" altLang="en-US" smtClean="0"/>
               <a:t>2024/3/10</a:t>
             </a:fld>
@@ -1821,7 +1821,7 @@
           <p:cNvPr id="8" name="页脚占位符 7">
             <a:extLst>
               <a:ext uri="{FF2B5EF4-FFF2-40B4-BE49-F238E27FC236}">
-                <a16:creationId xmlns:a16="http://schemas.microsoft.com/office/drawing/2014/main" id="{27D8F42F-7D41-C2D6-B154-2653C99AE838}"/>
+                <a16:creationId xmlns:a16="http://schemas.microsoft.com/office/drawing/2014/main" id="{5E0B8D67-3BC0-43AF-7C60-D33050CCA261}"/>
               </a:ext>
             </a:extLst>
           </p:cNvPr>
@@ -1846,7 +1846,7 @@
           <p:cNvPr id="9" name="灯片编号占位符 8">
             <a:extLst>
               <a:ext uri="{FF2B5EF4-FFF2-40B4-BE49-F238E27FC236}">
-                <a16:creationId xmlns:a16="http://schemas.microsoft.com/office/drawing/2014/main" id="{A6E21EB9-ACCB-69AE-7A91-B75E6045B955}"/>
+                <a16:creationId xmlns:a16="http://schemas.microsoft.com/office/drawing/2014/main" id="{8F73F5D6-907E-378A-F431-9B17D67556EF}"/>
               </a:ext>
             </a:extLst>
           </p:cNvPr>
@@ -1862,7 +1862,7 @@
           <a:bodyPr/>
           <a:lstStyle/>
           <a:p>
-            <a:fld id="{5819D42C-FB87-44E7-9AE4-115822CBD617}" type="slidenum">
+            <a:fld id="{E74F7F7C-8519-424E-8CB6-E7556BAE8DCB}" type="slidenum">
               <a:rPr lang="zh-CN" altLang="en-US" smtClean="0"/>
               <a:t>‹#›</a:t>
             </a:fld>
@@ -1873,7 +1873,7 @@
     </p:spTree>
     <p:extLst>
       <p:ext uri="{BB962C8B-B14F-4D97-AF65-F5344CB8AC3E}">
-        <p14:creationId xmlns:p14="http://schemas.microsoft.com/office/powerpoint/2010/main" val="2021625956"/>
+        <p14:creationId xmlns:p14="http://schemas.microsoft.com/office/powerpoint/2010/main" val="2063337087"/>
       </p:ext>
     </p:extLst>
   </p:cSld>
@@ -1905,7 +1905,7 @@
           <p:cNvPr id="2" name="标题 1">
             <a:extLst>
               <a:ext uri="{FF2B5EF4-FFF2-40B4-BE49-F238E27FC236}">
-                <a16:creationId xmlns:a16="http://schemas.microsoft.com/office/drawing/2014/main" id="{B285122E-6DF3-4837-B92E-7FDA328CE9FD}"/>
+                <a16:creationId xmlns:a16="http://schemas.microsoft.com/office/drawing/2014/main" id="{591583B9-0980-5FA0-6312-18EC0DB293CC}"/>
               </a:ext>
             </a:extLst>
           </p:cNvPr>
@@ -1933,7 +1933,7 @@
           <p:cNvPr id="3" name="日期占位符 2">
             <a:extLst>
               <a:ext uri="{FF2B5EF4-FFF2-40B4-BE49-F238E27FC236}">
-                <a16:creationId xmlns:a16="http://schemas.microsoft.com/office/drawing/2014/main" id="{DC737003-A3CB-B316-DF0C-45FBDF55A92A}"/>
+                <a16:creationId xmlns:a16="http://schemas.microsoft.com/office/drawing/2014/main" id="{38B140D0-64ED-CB1D-3C55-164EED83B6CA}"/>
               </a:ext>
             </a:extLst>
           </p:cNvPr>
@@ -1949,7 +1949,7 @@
           <a:bodyPr/>
           <a:lstStyle/>
           <a:p>
-            <a:fld id="{2AB386C5-2806-44F0-98C6-04A89A1B97D6}" type="datetimeFigureOut">
+            <a:fld id="{605D1952-348E-459D-B9CF-FB3A218E04FF}" type="datetimeFigureOut">
               <a:rPr lang="zh-CN" altLang="en-US" smtClean="0"/>
               <a:t>2024/3/10</a:t>
             </a:fld>
@@ -1962,7 +1962,7 @@
           <p:cNvPr id="4" name="页脚占位符 3">
             <a:extLst>
               <a:ext uri="{FF2B5EF4-FFF2-40B4-BE49-F238E27FC236}">
-                <a16:creationId xmlns:a16="http://schemas.microsoft.com/office/drawing/2014/main" id="{6013C09A-1CE7-DFF4-67D3-82B1058C58A6}"/>
+                <a16:creationId xmlns:a16="http://schemas.microsoft.com/office/drawing/2014/main" id="{987AC92F-8638-5F00-06EE-D69361B33ADB}"/>
               </a:ext>
             </a:extLst>
           </p:cNvPr>
@@ -1987,7 +1987,7 @@
           <p:cNvPr id="5" name="灯片编号占位符 4">
             <a:extLst>
               <a:ext uri="{FF2B5EF4-FFF2-40B4-BE49-F238E27FC236}">
-                <a16:creationId xmlns:a16="http://schemas.microsoft.com/office/drawing/2014/main" id="{41499E0B-8176-0CD0-6205-46ED4AC099B0}"/>
+                <a16:creationId xmlns:a16="http://schemas.microsoft.com/office/drawing/2014/main" id="{F07ACC85-3684-263C-6294-597F3A5B49B3}"/>
               </a:ext>
             </a:extLst>
           </p:cNvPr>
@@ -2003,7 +2003,7 @@
           <a:bodyPr/>
           <a:lstStyle/>
           <a:p>
-            <a:fld id="{5819D42C-FB87-44E7-9AE4-115822CBD617}" type="slidenum">
+            <a:fld id="{E74F7F7C-8519-424E-8CB6-E7556BAE8DCB}" type="slidenum">
               <a:rPr lang="zh-CN" altLang="en-US" smtClean="0"/>
               <a:t>‹#›</a:t>
             </a:fld>
@@ -2014,7 +2014,7 @@
     </p:spTree>
     <p:extLst>
       <p:ext uri="{BB962C8B-B14F-4D97-AF65-F5344CB8AC3E}">
-        <p14:creationId xmlns:p14="http://schemas.microsoft.com/office/powerpoint/2010/main" val="1707187396"/>
+        <p14:creationId xmlns:p14="http://schemas.microsoft.com/office/powerpoint/2010/main" val="2367966420"/>
       </p:ext>
     </p:extLst>
   </p:cSld>
@@ -2046,7 +2046,7 @@
           <p:cNvPr id="2" name="日期占位符 1">
             <a:extLst>
               <a:ext uri="{FF2B5EF4-FFF2-40B4-BE49-F238E27FC236}">
-                <a16:creationId xmlns:a16="http://schemas.microsoft.com/office/drawing/2014/main" id="{91E1946A-75CA-4CC2-0D60-531FEC6502A5}"/>
+                <a16:creationId xmlns:a16="http://schemas.microsoft.com/office/drawing/2014/main" id="{DD6B57DF-78C4-D4CE-5012-F06624372359}"/>
               </a:ext>
             </a:extLst>
           </p:cNvPr>
@@ -2062,7 +2062,7 @@
           <a:bodyPr/>
           <a:lstStyle/>
           <a:p>
-            <a:fld id="{2AB386C5-2806-44F0-98C6-04A89A1B97D6}" type="datetimeFigureOut">
+            <a:fld id="{605D1952-348E-459D-B9CF-FB3A218E04FF}" type="datetimeFigureOut">
               <a:rPr lang="zh-CN" altLang="en-US" smtClean="0"/>
               <a:t>2024/3/10</a:t>
             </a:fld>
@@ -2075,7 +2075,7 @@
           <p:cNvPr id="3" name="页脚占位符 2">
             <a:extLst>
               <a:ext uri="{FF2B5EF4-FFF2-40B4-BE49-F238E27FC236}">
-                <a16:creationId xmlns:a16="http://schemas.microsoft.com/office/drawing/2014/main" id="{1D518DCF-7CFE-F60B-AD41-115164A6A7F3}"/>
+                <a16:creationId xmlns:a16="http://schemas.microsoft.com/office/drawing/2014/main" id="{A3A59A63-7E4A-3D31-7B48-BF3311D64A96}"/>
               </a:ext>
             </a:extLst>
           </p:cNvPr>
@@ -2100,7 +2100,7 @@
           <p:cNvPr id="4" name="灯片编号占位符 3">
             <a:extLst>
               <a:ext uri="{FF2B5EF4-FFF2-40B4-BE49-F238E27FC236}">
-                <a16:creationId xmlns:a16="http://schemas.microsoft.com/office/drawing/2014/main" id="{8F5C78D8-7889-647E-6B68-CFF31B13EC0C}"/>
+                <a16:creationId xmlns:a16="http://schemas.microsoft.com/office/drawing/2014/main" id="{97CACECC-06D2-E6D4-CD20-ED66E091A3D2}"/>
               </a:ext>
             </a:extLst>
           </p:cNvPr>
@@ -2116,7 +2116,7 @@
           <a:bodyPr/>
           <a:lstStyle/>
           <a:p>
-            <a:fld id="{5819D42C-FB87-44E7-9AE4-115822CBD617}" type="slidenum">
+            <a:fld id="{E74F7F7C-8519-424E-8CB6-E7556BAE8DCB}" type="slidenum">
               <a:rPr lang="zh-CN" altLang="en-US" smtClean="0"/>
               <a:t>‹#›</a:t>
             </a:fld>
@@ -2127,7 +2127,7 @@
     </p:spTree>
     <p:extLst>
       <p:ext uri="{BB962C8B-B14F-4D97-AF65-F5344CB8AC3E}">
-        <p14:creationId xmlns:p14="http://schemas.microsoft.com/office/powerpoint/2010/main" val="2028339227"/>
+        <p14:creationId xmlns:p14="http://schemas.microsoft.com/office/powerpoint/2010/main" val="3076079925"/>
       </p:ext>
     </p:extLst>
   </p:cSld>
@@ -2159,7 +2159,7 @@
           <p:cNvPr id="2" name="标题 1">
             <a:extLst>
               <a:ext uri="{FF2B5EF4-FFF2-40B4-BE49-F238E27FC236}">
-                <a16:creationId xmlns:a16="http://schemas.microsoft.com/office/drawing/2014/main" id="{5CDD1960-7122-7F5C-430A-98911C34142B}"/>
+                <a16:creationId xmlns:a16="http://schemas.microsoft.com/office/drawing/2014/main" id="{1F33D763-1829-74FF-291E-0FF6C16C584F}"/>
               </a:ext>
             </a:extLst>
           </p:cNvPr>
@@ -2196,7 +2196,7 @@
           <p:cNvPr id="3" name="内容占位符 2">
             <a:extLst>
               <a:ext uri="{FF2B5EF4-FFF2-40B4-BE49-F238E27FC236}">
-                <a16:creationId xmlns:a16="http://schemas.microsoft.com/office/drawing/2014/main" id="{504F8C26-DD0B-C818-A1E2-52D5F1098ACA}"/>
+                <a16:creationId xmlns:a16="http://schemas.microsoft.com/office/drawing/2014/main" id="{965AEAFF-7956-4182-1530-521A2A3DE99E}"/>
               </a:ext>
             </a:extLst>
           </p:cNvPr>
@@ -2286,7 +2286,7 @@
           <p:cNvPr id="4" name="文本占位符 3">
             <a:extLst>
               <a:ext uri="{FF2B5EF4-FFF2-40B4-BE49-F238E27FC236}">
-                <a16:creationId xmlns:a16="http://schemas.microsoft.com/office/drawing/2014/main" id="{04E60C50-F0BB-74D5-3692-BBEC5EF7A38E}"/>
+                <a16:creationId xmlns:a16="http://schemas.microsoft.com/office/drawing/2014/main" id="{D2D7DF8D-303E-9F6C-96F2-0A220E38F3E2}"/>
               </a:ext>
             </a:extLst>
           </p:cNvPr>
@@ -2357,7 +2357,7 @@
           <p:cNvPr id="5" name="日期占位符 4">
             <a:extLst>
               <a:ext uri="{FF2B5EF4-FFF2-40B4-BE49-F238E27FC236}">
-                <a16:creationId xmlns:a16="http://schemas.microsoft.com/office/drawing/2014/main" id="{DEDC2E11-6B7C-CB87-D851-C88D22D207EC}"/>
+                <a16:creationId xmlns:a16="http://schemas.microsoft.com/office/drawing/2014/main" id="{D2389926-BE78-35D6-6C93-57BEAC0E6AA9}"/>
               </a:ext>
             </a:extLst>
           </p:cNvPr>
@@ -2373,7 +2373,7 @@
           <a:bodyPr/>
           <a:lstStyle/>
           <a:p>
-            <a:fld id="{2AB386C5-2806-44F0-98C6-04A89A1B97D6}" type="datetimeFigureOut">
+            <a:fld id="{605D1952-348E-459D-B9CF-FB3A218E04FF}" type="datetimeFigureOut">
               <a:rPr lang="zh-CN" altLang="en-US" smtClean="0"/>
               <a:t>2024/3/10</a:t>
             </a:fld>
@@ -2386,7 +2386,7 @@
           <p:cNvPr id="6" name="页脚占位符 5">
             <a:extLst>
               <a:ext uri="{FF2B5EF4-FFF2-40B4-BE49-F238E27FC236}">
-                <a16:creationId xmlns:a16="http://schemas.microsoft.com/office/drawing/2014/main" id="{B6FE73D1-53F1-8CC4-E574-57F811757917}"/>
+                <a16:creationId xmlns:a16="http://schemas.microsoft.com/office/drawing/2014/main" id="{763E1BA6-F2C2-045F-15DD-4249BBB0AFAF}"/>
               </a:ext>
             </a:extLst>
           </p:cNvPr>
@@ -2411,7 +2411,7 @@
           <p:cNvPr id="7" name="灯片编号占位符 6">
             <a:extLst>
               <a:ext uri="{FF2B5EF4-FFF2-40B4-BE49-F238E27FC236}">
-                <a16:creationId xmlns:a16="http://schemas.microsoft.com/office/drawing/2014/main" id="{5E14989F-18C2-9C90-DD6C-42A9F1357524}"/>
+                <a16:creationId xmlns:a16="http://schemas.microsoft.com/office/drawing/2014/main" id="{473E8589-94FB-3DD2-4DFB-68E7C1943E4A}"/>
               </a:ext>
             </a:extLst>
           </p:cNvPr>
@@ -2427,7 +2427,7 @@
           <a:bodyPr/>
           <a:lstStyle/>
           <a:p>
-            <a:fld id="{5819D42C-FB87-44E7-9AE4-115822CBD617}" type="slidenum">
+            <a:fld id="{E74F7F7C-8519-424E-8CB6-E7556BAE8DCB}" type="slidenum">
               <a:rPr lang="zh-CN" altLang="en-US" smtClean="0"/>
               <a:t>‹#›</a:t>
             </a:fld>
@@ -2438,7 +2438,7 @@
     </p:spTree>
     <p:extLst>
       <p:ext uri="{BB962C8B-B14F-4D97-AF65-F5344CB8AC3E}">
-        <p14:creationId xmlns:p14="http://schemas.microsoft.com/office/powerpoint/2010/main" val="4274470058"/>
+        <p14:creationId xmlns:p14="http://schemas.microsoft.com/office/powerpoint/2010/main" val="651299690"/>
       </p:ext>
     </p:extLst>
   </p:cSld>
@@ -2470,7 +2470,7 @@
           <p:cNvPr id="2" name="标题 1">
             <a:extLst>
               <a:ext uri="{FF2B5EF4-FFF2-40B4-BE49-F238E27FC236}">
-                <a16:creationId xmlns:a16="http://schemas.microsoft.com/office/drawing/2014/main" id="{20231153-08BE-6724-BD56-D92BDF7E67EA}"/>
+                <a16:creationId xmlns:a16="http://schemas.microsoft.com/office/drawing/2014/main" id="{63CA61A1-2F96-300E-10C2-EFCA86F30257}"/>
               </a:ext>
             </a:extLst>
           </p:cNvPr>
@@ -2507,7 +2507,7 @@
           <p:cNvPr id="3" name="图片占位符 2">
             <a:extLst>
               <a:ext uri="{FF2B5EF4-FFF2-40B4-BE49-F238E27FC236}">
-                <a16:creationId xmlns:a16="http://schemas.microsoft.com/office/drawing/2014/main" id="{DF231802-F1A7-FC13-397F-12D566473501}"/>
+                <a16:creationId xmlns:a16="http://schemas.microsoft.com/office/drawing/2014/main" id="{5FF98DD4-15A5-CB5C-1D1B-7D21404991EF}"/>
               </a:ext>
             </a:extLst>
           </p:cNvPr>
@@ -2574,7 +2574,7 @@
           <p:cNvPr id="4" name="文本占位符 3">
             <a:extLst>
               <a:ext uri="{FF2B5EF4-FFF2-40B4-BE49-F238E27FC236}">
-                <a16:creationId xmlns:a16="http://schemas.microsoft.com/office/drawing/2014/main" id="{172B733B-A418-783B-A9CC-A304F441BA1B}"/>
+                <a16:creationId xmlns:a16="http://schemas.microsoft.com/office/drawing/2014/main" id="{FB1FAA4E-0E58-B99D-633C-E889711F383D}"/>
               </a:ext>
             </a:extLst>
           </p:cNvPr>
@@ -2645,7 +2645,7 @@
           <p:cNvPr id="5" name="日期占位符 4">
             <a:extLst>
               <a:ext uri="{FF2B5EF4-FFF2-40B4-BE49-F238E27FC236}">
-                <a16:creationId xmlns:a16="http://schemas.microsoft.com/office/drawing/2014/main" id="{2C5EAE43-98B0-B3EA-A7B6-AAB900C1341F}"/>
+                <a16:creationId xmlns:a16="http://schemas.microsoft.com/office/drawing/2014/main" id="{BE8FE04D-C65B-15EE-7059-C26DB78415E1}"/>
               </a:ext>
             </a:extLst>
           </p:cNvPr>
@@ -2661,7 +2661,7 @@
           <a:bodyPr/>
           <a:lstStyle/>
           <a:p>
-            <a:fld id="{2AB386C5-2806-44F0-98C6-04A89A1B97D6}" type="datetimeFigureOut">
+            <a:fld id="{605D1952-348E-459D-B9CF-FB3A218E04FF}" type="datetimeFigureOut">
               <a:rPr lang="zh-CN" altLang="en-US" smtClean="0"/>
               <a:t>2024/3/10</a:t>
             </a:fld>
@@ -2674,7 +2674,7 @@
           <p:cNvPr id="6" name="页脚占位符 5">
             <a:extLst>
               <a:ext uri="{FF2B5EF4-FFF2-40B4-BE49-F238E27FC236}">
-                <a16:creationId xmlns:a16="http://schemas.microsoft.com/office/drawing/2014/main" id="{1E40AC79-F7E5-8981-10B6-EC30E64DA997}"/>
+                <a16:creationId xmlns:a16="http://schemas.microsoft.com/office/drawing/2014/main" id="{CD84FA25-5A3F-0ACD-2F22-6922DF7264A9}"/>
               </a:ext>
             </a:extLst>
           </p:cNvPr>
@@ -2699,7 +2699,7 @@
           <p:cNvPr id="7" name="灯片编号占位符 6">
             <a:extLst>
               <a:ext uri="{FF2B5EF4-FFF2-40B4-BE49-F238E27FC236}">
-                <a16:creationId xmlns:a16="http://schemas.microsoft.com/office/drawing/2014/main" id="{AE6993B2-3C20-ECE3-F4F2-3CEB6DA5D572}"/>
+                <a16:creationId xmlns:a16="http://schemas.microsoft.com/office/drawing/2014/main" id="{7168F266-846D-C061-F8D1-E71FD6C34DC5}"/>
               </a:ext>
             </a:extLst>
           </p:cNvPr>
@@ -2715,7 +2715,7 @@
           <a:bodyPr/>
           <a:lstStyle/>
           <a:p>
-            <a:fld id="{5819D42C-FB87-44E7-9AE4-115822CBD617}" type="slidenum">
+            <a:fld id="{E74F7F7C-8519-424E-8CB6-E7556BAE8DCB}" type="slidenum">
               <a:rPr lang="zh-CN" altLang="en-US" smtClean="0"/>
               <a:t>‹#›</a:t>
             </a:fld>
@@ -2726,7 +2726,7 @@
     </p:spTree>
     <p:extLst>
       <p:ext uri="{BB962C8B-B14F-4D97-AF65-F5344CB8AC3E}">
-        <p14:creationId xmlns:p14="http://schemas.microsoft.com/office/powerpoint/2010/main" val="3017909677"/>
+        <p14:creationId xmlns:p14="http://schemas.microsoft.com/office/powerpoint/2010/main" val="3098090732"/>
       </p:ext>
     </p:extLst>
   </p:cSld>
@@ -2763,7 +2763,7 @@
           <p:cNvPr id="2" name="标题占位符 1">
             <a:extLst>
               <a:ext uri="{FF2B5EF4-FFF2-40B4-BE49-F238E27FC236}">
-                <a16:creationId xmlns:a16="http://schemas.microsoft.com/office/drawing/2014/main" id="{EF00B0D5-B62A-6D1B-1018-FC682010C0CE}"/>
+                <a16:creationId xmlns:a16="http://schemas.microsoft.com/office/drawing/2014/main" id="{91E4F162-F798-0DAE-5379-451058E773F4}"/>
               </a:ext>
             </a:extLst>
           </p:cNvPr>
@@ -2801,7 +2801,7 @@
           <p:cNvPr id="3" name="文本占位符 2">
             <a:extLst>
               <a:ext uri="{FF2B5EF4-FFF2-40B4-BE49-F238E27FC236}">
-                <a16:creationId xmlns:a16="http://schemas.microsoft.com/office/drawing/2014/main" id="{AED52098-E3C6-4016-ED0E-D82F11BE5EE6}"/>
+                <a16:creationId xmlns:a16="http://schemas.microsoft.com/office/drawing/2014/main" id="{E27F8F9D-8BFF-2724-FD97-D7597D4C0F48}"/>
               </a:ext>
             </a:extLst>
           </p:cNvPr>
@@ -2868,7 +2868,7 @@
           <p:cNvPr id="4" name="日期占位符 3">
             <a:extLst>
               <a:ext uri="{FF2B5EF4-FFF2-40B4-BE49-F238E27FC236}">
-                <a16:creationId xmlns:a16="http://schemas.microsoft.com/office/drawing/2014/main" id="{935D7B91-4404-4C01-533F-A269AA1ABAD5}"/>
+                <a16:creationId xmlns:a16="http://schemas.microsoft.com/office/drawing/2014/main" id="{17881442-EE1D-DE24-30F9-E5A79A70750F}"/>
               </a:ext>
             </a:extLst>
           </p:cNvPr>
@@ -2902,7 +2902,7 @@
             </a:lvl1pPr>
           </a:lstStyle>
           <a:p>
-            <a:fld id="{2AB386C5-2806-44F0-98C6-04A89A1B97D6}" type="datetimeFigureOut">
+            <a:fld id="{605D1952-348E-459D-B9CF-FB3A218E04FF}" type="datetimeFigureOut">
               <a:rPr lang="zh-CN" altLang="en-US" smtClean="0"/>
               <a:t>2024/3/10</a:t>
             </a:fld>
@@ -2915,7 +2915,7 @@
           <p:cNvPr id="5" name="页脚占位符 4">
             <a:extLst>
               <a:ext uri="{FF2B5EF4-FFF2-40B4-BE49-F238E27FC236}">
-                <a16:creationId xmlns:a16="http://schemas.microsoft.com/office/drawing/2014/main" id="{9DAE0D69-AD81-D81B-1282-8F28EAEFEA39}"/>
+                <a16:creationId xmlns:a16="http://schemas.microsoft.com/office/drawing/2014/main" id="{FEF1B834-56D8-2F35-45CF-A526F2FE232F}"/>
               </a:ext>
             </a:extLst>
           </p:cNvPr>
@@ -2958,7 +2958,7 @@
           <p:cNvPr id="6" name="灯片编号占位符 5">
             <a:extLst>
               <a:ext uri="{FF2B5EF4-FFF2-40B4-BE49-F238E27FC236}">
-                <a16:creationId xmlns:a16="http://schemas.microsoft.com/office/drawing/2014/main" id="{456BFB06-3C52-79BC-D66C-637343C47FDF}"/>
+                <a16:creationId xmlns:a16="http://schemas.microsoft.com/office/drawing/2014/main" id="{CAEC3761-D6C0-5B95-427E-A8B7DF7AE319}"/>
               </a:ext>
             </a:extLst>
           </p:cNvPr>
@@ -2992,7 +2992,7 @@
             </a:lvl1pPr>
           </a:lstStyle>
           <a:p>
-            <a:fld id="{5819D42C-FB87-44E7-9AE4-115822CBD617}" type="slidenum">
+            <a:fld id="{E74F7F7C-8519-424E-8CB6-E7556BAE8DCB}" type="slidenum">
               <a:rPr lang="zh-CN" altLang="en-US" smtClean="0"/>
               <a:t>‹#›</a:t>
             </a:fld>
@@ -3003,7 +3003,7 @@
     </p:spTree>
     <p:extLst>
       <p:ext uri="{BB962C8B-B14F-4D97-AF65-F5344CB8AC3E}">
-        <p14:creationId xmlns:p14="http://schemas.microsoft.com/office/powerpoint/2010/main" val="4005552397"/>
+        <p14:creationId xmlns:p14="http://schemas.microsoft.com/office/powerpoint/2010/main" val="3808887105"/>
       </p:ext>
     </p:extLst>
   </p:cSld>
@@ -3323,7 +3323,7 @@
       </p:grpSpPr>
       <p:pic>
         <p:nvPicPr>
-          <p:cNvPr id="468994" name="Picture 2" descr="457"/>
+          <p:cNvPr id="470018" name="Picture 2" descr="458"/>
           <p:cNvPicPr>
             <a:picLocks noChangeAspect="1" noChangeArrowheads="1"/>
           </p:cNvPicPr>
@@ -3377,7 +3377,7 @@
       </p:pic>
       <p:pic>
         <p:nvPicPr>
-          <p:cNvPr id="470019" name="Picture 3" descr="457-2"/>
+          <p:cNvPr id="471043" name="Picture 3" descr="458-2"/>
           <p:cNvPicPr>
             <a:picLocks noChangeAspect="1" noChangeArrowheads="1"/>
           </p:cNvPicPr>
@@ -3398,7 +3398,7 @@
         </p:blipFill>
         <p:spPr bwMode="auto">
           <a:xfrm>
-            <a:off x="1524000" y="0"/>
+            <a:off x="1524000" y="44450"/>
             <a:ext cx="9144000" cy="6858000"/>
           </a:xfrm>
           <a:prstGeom prst="rect">
@@ -3478,7 +3478,7 @@
                                           </p:stCondLst>
                                         </p:cTn>
                                         <p:tgtEl>
-                                          <p:spTgt spid="470019"/>
+                                          <p:spTgt spid="471043"/>
                                         </p:tgtEl>
                                         <p:attrNameLst>
                                           <p:attrName>style.visibility</p:attrName>
@@ -3492,7 +3492,7 @@
                                       <p:cBhvr>
                                         <p:cTn id="7" dur="500"/>
                                         <p:tgtEl>
-                                          <p:spTgt spid="470019"/>
+                                          <p:spTgt spid="471043"/>
                                         </p:tgtEl>
                                       </p:cBhvr>
                                     </p:animEffect>
